--- a/presentations/spring-design-presentation.pptx
+++ b/presentations/spring-design-presentation.pptx
@@ -286,7 +286,7 @@
           <a:p>
             <a:fld id="{D2CD39A5-1B76-464F-9B2C-D445098D7B41}" type="datetimeFigureOut">
               <a:rPr lang="en-US" smtClean="0"/>
-              <a:t>2/16/2025</a:t>
+              <a:t>3/7/2025</a:t>
             </a:fld>
             <a:endParaRPr lang="en-US"/>
           </a:p>
@@ -484,7 +484,7 @@
           <a:p>
             <a:fld id="{D2CD39A5-1B76-464F-9B2C-D445098D7B41}" type="datetimeFigureOut">
               <a:rPr lang="en-US" smtClean="0"/>
-              <a:t>2/16/2025</a:t>
+              <a:t>3/7/2025</a:t>
             </a:fld>
             <a:endParaRPr lang="en-US"/>
           </a:p>
@@ -692,7 +692,7 @@
           <a:p>
             <a:fld id="{D2CD39A5-1B76-464F-9B2C-D445098D7B41}" type="datetimeFigureOut">
               <a:rPr lang="en-US" smtClean="0"/>
-              <a:t>2/16/2025</a:t>
+              <a:t>3/7/2025</a:t>
             </a:fld>
             <a:endParaRPr lang="en-US"/>
           </a:p>
@@ -890,7 +890,7 @@
           <a:p>
             <a:fld id="{D2CD39A5-1B76-464F-9B2C-D445098D7B41}" type="datetimeFigureOut">
               <a:rPr lang="en-US" smtClean="0"/>
-              <a:t>2/16/2025</a:t>
+              <a:t>3/7/2025</a:t>
             </a:fld>
             <a:endParaRPr lang="en-US"/>
           </a:p>
@@ -1165,7 +1165,7 @@
           <a:p>
             <a:fld id="{D2CD39A5-1B76-464F-9B2C-D445098D7B41}" type="datetimeFigureOut">
               <a:rPr lang="en-US" smtClean="0"/>
-              <a:t>2/16/2025</a:t>
+              <a:t>3/7/2025</a:t>
             </a:fld>
             <a:endParaRPr lang="en-US"/>
           </a:p>
@@ -1430,7 +1430,7 @@
           <a:p>
             <a:fld id="{D2CD39A5-1B76-464F-9B2C-D445098D7B41}" type="datetimeFigureOut">
               <a:rPr lang="en-US" smtClean="0"/>
-              <a:t>2/16/2025</a:t>
+              <a:t>3/7/2025</a:t>
             </a:fld>
             <a:endParaRPr lang="en-US"/>
           </a:p>
@@ -1842,7 +1842,7 @@
           <a:p>
             <a:fld id="{D2CD39A5-1B76-464F-9B2C-D445098D7B41}" type="datetimeFigureOut">
               <a:rPr lang="en-US" smtClean="0"/>
-              <a:t>2/16/2025</a:t>
+              <a:t>3/7/2025</a:t>
             </a:fld>
             <a:endParaRPr lang="en-US"/>
           </a:p>
@@ -1983,7 +1983,7 @@
           <a:p>
             <a:fld id="{D2CD39A5-1B76-464F-9B2C-D445098D7B41}" type="datetimeFigureOut">
               <a:rPr lang="en-US" smtClean="0"/>
-              <a:t>2/16/2025</a:t>
+              <a:t>3/7/2025</a:t>
             </a:fld>
             <a:endParaRPr lang="en-US"/>
           </a:p>
@@ -2096,7 +2096,7 @@
           <a:p>
             <a:fld id="{D2CD39A5-1B76-464F-9B2C-D445098D7B41}" type="datetimeFigureOut">
               <a:rPr lang="en-US" smtClean="0"/>
-              <a:t>2/16/2025</a:t>
+              <a:t>3/7/2025</a:t>
             </a:fld>
             <a:endParaRPr lang="en-US"/>
           </a:p>
@@ -2407,7 +2407,7 @@
           <a:p>
             <a:fld id="{D2CD39A5-1B76-464F-9B2C-D445098D7B41}" type="datetimeFigureOut">
               <a:rPr lang="en-US" smtClean="0"/>
-              <a:t>2/16/2025</a:t>
+              <a:t>3/7/2025</a:t>
             </a:fld>
             <a:endParaRPr lang="en-US"/>
           </a:p>
@@ -2695,7 +2695,7 @@
           <a:p>
             <a:fld id="{D2CD39A5-1B76-464F-9B2C-D445098D7B41}" type="datetimeFigureOut">
               <a:rPr lang="en-US" smtClean="0"/>
-              <a:t>2/16/2025</a:t>
+              <a:t>3/7/2025</a:t>
             </a:fld>
             <a:endParaRPr lang="en-US"/>
           </a:p>
@@ -2936,7 +2936,7 @@
           <a:p>
             <a:fld id="{D2CD39A5-1B76-464F-9B2C-D445098D7B41}" type="datetimeFigureOut">
               <a:rPr lang="en-US" smtClean="0"/>
-              <a:t>2/16/2025</a:t>
+              <a:t>3/7/2025</a:t>
             </a:fld>
             <a:endParaRPr lang="en-US"/>
           </a:p>
@@ -3972,10 +3972,40 @@
       </p:sp>
       <p:pic>
         <p:nvPicPr>
-          <p:cNvPr id="2056" name="Picture 8">
-            <a:extLst>
-              <a:ext uri="{FF2B5EF4-FFF2-40B4-BE49-F238E27FC236}">
-                <a16:creationId xmlns:a16="http://schemas.microsoft.com/office/drawing/2014/main" id="{23A98B3B-BF70-F17F-1044-C13536553740}"/>
+          <p:cNvPr id="24" name="Picture 23">
+            <a:extLst>
+              <a:ext uri="{FF2B5EF4-FFF2-40B4-BE49-F238E27FC236}">
+                <a16:creationId xmlns:a16="http://schemas.microsoft.com/office/drawing/2014/main" id="{9DEABE1E-C5A2-7A64-10A4-8F9A431BFB29}"/>
+              </a:ext>
+            </a:extLst>
+          </p:cNvPr>
+          <p:cNvPicPr>
+            <a:picLocks noChangeAspect="1"/>
+          </p:cNvPicPr>
+          <p:nvPr/>
+        </p:nvPicPr>
+        <p:blipFill>
+          <a:blip r:embed="rId5"/>
+          <a:stretch>
+            <a:fillRect/>
+          </a:stretch>
+        </p:blipFill>
+        <p:spPr>
+          <a:xfrm rot="20872349">
+            <a:off x="1224799" y="3967314"/>
+            <a:ext cx="1512794" cy="685800"/>
+          </a:xfrm>
+          <a:prstGeom prst="rect">
+            <a:avLst/>
+          </a:prstGeom>
+        </p:spPr>
+      </p:pic>
+      <p:pic>
+        <p:nvPicPr>
+          <p:cNvPr id="2062" name="Picture 14">
+            <a:extLst>
+              <a:ext uri="{FF2B5EF4-FFF2-40B4-BE49-F238E27FC236}">
+                <a16:creationId xmlns:a16="http://schemas.microsoft.com/office/drawing/2014/main" id="{9777F91D-26D1-B32F-B0DC-B157B141FE13}"/>
               </a:ext>
             </a:extLst>
           </p:cNvPr>
@@ -3984,21 +4014,23 @@
           </p:cNvPicPr>
           <p:nvPr/>
         </p:nvPicPr>
-        <p:blipFill rotWithShape="1">
-          <a:blip r:embed="rId5">
+        <p:blipFill>
+          <a:blip r:embed="rId6">
             <a:extLst>
               <a:ext uri="{28A0092B-C50C-407E-A947-70E740481C1C}">
                 <a14:useLocalDpi xmlns:a14="http://schemas.microsoft.com/office/drawing/2010/main" val="0"/>
               </a:ext>
             </a:extLst>
           </a:blip>
-          <a:srcRect t="31438" b="19997"/>
-          <a:stretch/>
+          <a:srcRect/>
+          <a:stretch>
+            <a:fillRect/>
+          </a:stretch>
         </p:blipFill>
         <p:spPr bwMode="auto">
-          <a:xfrm rot="450251">
-            <a:off x="1451111" y="3832548"/>
-            <a:ext cx="1060176" cy="228600"/>
+          <a:xfrm rot="405543">
+            <a:off x="2019172" y="5086671"/>
+            <a:ext cx="685800" cy="685800"/>
           </a:xfrm>
           <a:prstGeom prst="rect">
             <a:avLst/>
@@ -4017,40 +4049,10 @@
       </p:pic>
       <p:pic>
         <p:nvPicPr>
-          <p:cNvPr id="24" name="Picture 23">
-            <a:extLst>
-              <a:ext uri="{FF2B5EF4-FFF2-40B4-BE49-F238E27FC236}">
-                <a16:creationId xmlns:a16="http://schemas.microsoft.com/office/drawing/2014/main" id="{9DEABE1E-C5A2-7A64-10A4-8F9A431BFB29}"/>
-              </a:ext>
-            </a:extLst>
-          </p:cNvPr>
-          <p:cNvPicPr>
-            <a:picLocks noChangeAspect="1"/>
-          </p:cNvPicPr>
-          <p:nvPr/>
-        </p:nvPicPr>
-        <p:blipFill>
-          <a:blip r:embed="rId6"/>
-          <a:stretch>
-            <a:fillRect/>
-          </a:stretch>
-        </p:blipFill>
-        <p:spPr>
-          <a:xfrm rot="20872349">
-            <a:off x="1224801" y="4266058"/>
-            <a:ext cx="1512794" cy="685800"/>
-          </a:xfrm>
-          <a:prstGeom prst="rect">
-            <a:avLst/>
-          </a:prstGeom>
-        </p:spPr>
-      </p:pic>
-      <p:pic>
-        <p:nvPicPr>
-          <p:cNvPr id="2062" name="Picture 14">
-            <a:extLst>
-              <a:ext uri="{FF2B5EF4-FFF2-40B4-BE49-F238E27FC236}">
-                <a16:creationId xmlns:a16="http://schemas.microsoft.com/office/drawing/2014/main" id="{9777F91D-26D1-B32F-B0DC-B157B141FE13}"/>
+          <p:cNvPr id="2064" name="Picture 16" descr="Azure has a new logo, but where do you download it? Here!">
+            <a:extLst>
+              <a:ext uri="{FF2B5EF4-FFF2-40B4-BE49-F238E27FC236}">
+                <a16:creationId xmlns:a16="http://schemas.microsoft.com/office/drawing/2014/main" id="{4B75E19D-B747-CD0A-02A3-9A7AAB954B72}"/>
               </a:ext>
             </a:extLst>
           </p:cNvPr>
@@ -4059,7 +4061,7 @@
           </p:cNvPicPr>
           <p:nvPr/>
         </p:nvPicPr>
-        <p:blipFill>
+        <p:blipFill rotWithShape="1">
           <a:blip r:embed="rId7">
             <a:extLst>
               <a:ext uri="{28A0092B-C50C-407E-A947-70E740481C1C}">
@@ -4067,15 +4069,13 @@
               </a:ext>
             </a:extLst>
           </a:blip>
-          <a:srcRect/>
-          <a:stretch>
-            <a:fillRect/>
-          </a:stretch>
+          <a:srcRect t="6310" b="6399"/>
+          <a:stretch/>
         </p:blipFill>
         <p:spPr bwMode="auto">
-          <a:xfrm rot="405543">
-            <a:off x="2019172" y="5086671"/>
-            <a:ext cx="685800" cy="685800"/>
+          <a:xfrm rot="20967677">
+            <a:off x="4252852" y="3228833"/>
+            <a:ext cx="785641" cy="685800"/>
           </a:xfrm>
           <a:prstGeom prst="rect">
             <a:avLst/>
@@ -4094,10 +4094,10 @@
       </p:pic>
       <p:pic>
         <p:nvPicPr>
-          <p:cNvPr id="2064" name="Picture 16" descr="Azure has a new logo, but where do you download it? Here!">
-            <a:extLst>
-              <a:ext uri="{FF2B5EF4-FFF2-40B4-BE49-F238E27FC236}">
-                <a16:creationId xmlns:a16="http://schemas.microsoft.com/office/drawing/2014/main" id="{4B75E19D-B747-CD0A-02A3-9A7AAB954B72}"/>
+          <p:cNvPr id="2070" name="Picture 22">
+            <a:extLst>
+              <a:ext uri="{FF2B5EF4-FFF2-40B4-BE49-F238E27FC236}">
+                <a16:creationId xmlns:a16="http://schemas.microsoft.com/office/drawing/2014/main" id="{6C530F2C-645B-D3F3-21EC-9D884E5FD77A}"/>
               </a:ext>
             </a:extLst>
           </p:cNvPr>
@@ -4106,7 +4106,7 @@
           </p:cNvPicPr>
           <p:nvPr/>
         </p:nvPicPr>
-        <p:blipFill rotWithShape="1">
+        <p:blipFill>
           <a:blip r:embed="rId8">
             <a:extLst>
               <a:ext uri="{28A0092B-C50C-407E-A947-70E740481C1C}">
@@ -4114,13 +4114,15 @@
               </a:ext>
             </a:extLst>
           </a:blip>
-          <a:srcRect t="6310" b="6399"/>
-          <a:stretch/>
+          <a:srcRect/>
+          <a:stretch>
+            <a:fillRect/>
+          </a:stretch>
         </p:blipFill>
         <p:spPr bwMode="auto">
-          <a:xfrm rot="20967677">
-            <a:off x="4331577" y="3492385"/>
-            <a:ext cx="785641" cy="685800"/>
+          <a:xfrm rot="477883">
+            <a:off x="3714557" y="4221481"/>
+            <a:ext cx="1467933" cy="685800"/>
           </a:xfrm>
           <a:prstGeom prst="rect">
             <a:avLst/>
@@ -4139,10 +4141,10 @@
       </p:pic>
       <p:pic>
         <p:nvPicPr>
-          <p:cNvPr id="2070" name="Picture 22">
-            <a:extLst>
-              <a:ext uri="{FF2B5EF4-FFF2-40B4-BE49-F238E27FC236}">
-                <a16:creationId xmlns:a16="http://schemas.microsoft.com/office/drawing/2014/main" id="{6C530F2C-645B-D3F3-21EC-9D884E5FD77A}"/>
+          <p:cNvPr id="2072" name="Picture 24">
+            <a:extLst>
+              <a:ext uri="{FF2B5EF4-FFF2-40B4-BE49-F238E27FC236}">
+                <a16:creationId xmlns:a16="http://schemas.microsoft.com/office/drawing/2014/main" id="{BE0D13D7-A297-9BA3-6824-152FAF9ACFD6}"/>
               </a:ext>
             </a:extLst>
           </p:cNvPr>
@@ -4165,9 +4167,9 @@
           </a:stretch>
         </p:blipFill>
         <p:spPr bwMode="auto">
-          <a:xfrm rot="477883">
-            <a:off x="3990433" y="4684090"/>
-            <a:ext cx="1467933" cy="685800"/>
+          <a:xfrm rot="21009018">
+            <a:off x="9374453" y="3262575"/>
+            <a:ext cx="695801" cy="685800"/>
           </a:xfrm>
           <a:prstGeom prst="rect">
             <a:avLst/>
@@ -4186,10 +4188,69 @@
       </p:pic>
       <p:pic>
         <p:nvPicPr>
-          <p:cNvPr id="2072" name="Picture 24">
-            <a:extLst>
-              <a:ext uri="{FF2B5EF4-FFF2-40B4-BE49-F238E27FC236}">
-                <a16:creationId xmlns:a16="http://schemas.microsoft.com/office/drawing/2014/main" id="{BE0D13D7-A297-9BA3-6824-152FAF9ACFD6}"/>
+          <p:cNvPr id="34" name="Picture 33">
+            <a:extLst>
+              <a:ext uri="{FF2B5EF4-FFF2-40B4-BE49-F238E27FC236}">
+                <a16:creationId xmlns:a16="http://schemas.microsoft.com/office/drawing/2014/main" id="{A2E87A77-65BE-8C16-B589-CCD6A3B2B7F0}"/>
+              </a:ext>
+            </a:extLst>
+          </p:cNvPr>
+          <p:cNvPicPr>
+            <a:picLocks noChangeAspect="1"/>
+          </p:cNvPicPr>
+          <p:nvPr/>
+        </p:nvPicPr>
+        <p:blipFill>
+          <a:blip r:embed="rId10"/>
+          <a:srcRect t="2494" b="5838"/>
+          <a:stretch/>
+        </p:blipFill>
+        <p:spPr>
+          <a:xfrm rot="612536">
+            <a:off x="9760841" y="4229934"/>
+            <a:ext cx="1280159" cy="548640"/>
+          </a:xfrm>
+          <a:prstGeom prst="rect">
+            <a:avLst/>
+          </a:prstGeom>
+        </p:spPr>
+      </p:pic>
+      <p:pic>
+        <p:nvPicPr>
+          <p:cNvPr id="38" name="Picture 37">
+            <a:extLst>
+              <a:ext uri="{FF2B5EF4-FFF2-40B4-BE49-F238E27FC236}">
+                <a16:creationId xmlns:a16="http://schemas.microsoft.com/office/drawing/2014/main" id="{B7966803-6698-93DB-53A4-A28F106802DB}"/>
+              </a:ext>
+            </a:extLst>
+          </p:cNvPr>
+          <p:cNvPicPr>
+            <a:picLocks noChangeAspect="1"/>
+          </p:cNvPicPr>
+          <p:nvPr/>
+        </p:nvPicPr>
+        <p:blipFill>
+          <a:blip r:embed="rId11"/>
+          <a:stretch>
+            <a:fillRect/>
+          </a:stretch>
+        </p:blipFill>
+        <p:spPr>
+          <a:xfrm rot="21354477">
+            <a:off x="9335553" y="5052184"/>
+            <a:ext cx="1319861" cy="457200"/>
+          </a:xfrm>
+          <a:prstGeom prst="rect">
+            <a:avLst/>
+          </a:prstGeom>
+        </p:spPr>
+      </p:pic>
+      <p:pic>
+        <p:nvPicPr>
+          <p:cNvPr id="3074" name="Picture 2" descr="Content Creators like you use Stathead | Learn More">
+            <a:extLst>
+              <a:ext uri="{FF2B5EF4-FFF2-40B4-BE49-F238E27FC236}">
+                <a16:creationId xmlns:a16="http://schemas.microsoft.com/office/drawing/2014/main" id="{E1200091-CA10-7B43-9BC3-522A64B077C1}"/>
               </a:ext>
             </a:extLst>
           </p:cNvPr>
@@ -4198,23 +4259,21 @@
           </p:cNvPicPr>
           <p:nvPr/>
         </p:nvPicPr>
-        <p:blipFill>
-          <a:blip r:embed="rId10">
+        <p:blipFill rotWithShape="1">
+          <a:blip r:embed="rId12">
             <a:extLst>
               <a:ext uri="{28A0092B-C50C-407E-A947-70E740481C1C}">
                 <a14:useLocalDpi xmlns:a14="http://schemas.microsoft.com/office/drawing/2010/main" val="0"/>
               </a:ext>
             </a:extLst>
           </a:blip>
-          <a:srcRect/>
-          <a:stretch>
-            <a:fillRect/>
-          </a:stretch>
+          <a:srcRect t="10421" b="10614"/>
+          <a:stretch/>
         </p:blipFill>
         <p:spPr bwMode="auto">
-          <a:xfrm rot="21009018">
-            <a:off x="9374453" y="3262575"/>
-            <a:ext cx="695801" cy="685800"/>
+          <a:xfrm rot="21286926">
+            <a:off x="1066798" y="3266150"/>
+            <a:ext cx="1828800" cy="222885"/>
           </a:xfrm>
           <a:prstGeom prst="rect">
             <a:avLst/>
@@ -4233,69 +4292,10 @@
       </p:pic>
       <p:pic>
         <p:nvPicPr>
-          <p:cNvPr id="34" name="Picture 33">
-            <a:extLst>
-              <a:ext uri="{FF2B5EF4-FFF2-40B4-BE49-F238E27FC236}">
-                <a16:creationId xmlns:a16="http://schemas.microsoft.com/office/drawing/2014/main" id="{A2E87A77-65BE-8C16-B589-CCD6A3B2B7F0}"/>
-              </a:ext>
-            </a:extLst>
-          </p:cNvPr>
-          <p:cNvPicPr>
-            <a:picLocks noChangeAspect="1"/>
-          </p:cNvPicPr>
-          <p:nvPr/>
-        </p:nvPicPr>
-        <p:blipFill>
-          <a:blip r:embed="rId11"/>
-          <a:srcRect t="2494" b="5838"/>
-          <a:stretch/>
-        </p:blipFill>
-        <p:spPr>
-          <a:xfrm rot="612536">
-            <a:off x="9760841" y="4229934"/>
-            <a:ext cx="1280159" cy="548640"/>
-          </a:xfrm>
-          <a:prstGeom prst="rect">
-            <a:avLst/>
-          </a:prstGeom>
-        </p:spPr>
-      </p:pic>
-      <p:pic>
-        <p:nvPicPr>
-          <p:cNvPr id="38" name="Picture 37">
-            <a:extLst>
-              <a:ext uri="{FF2B5EF4-FFF2-40B4-BE49-F238E27FC236}">
-                <a16:creationId xmlns:a16="http://schemas.microsoft.com/office/drawing/2014/main" id="{B7966803-6698-93DB-53A4-A28F106802DB}"/>
-              </a:ext>
-            </a:extLst>
-          </p:cNvPr>
-          <p:cNvPicPr>
-            <a:picLocks noChangeAspect="1"/>
-          </p:cNvPicPr>
-          <p:nvPr/>
-        </p:nvPicPr>
-        <p:blipFill>
-          <a:blip r:embed="rId12"/>
-          <a:stretch>
-            <a:fillRect/>
-          </a:stretch>
-        </p:blipFill>
-        <p:spPr>
-          <a:xfrm rot="21354477">
-            <a:off x="9335553" y="5052184"/>
-            <a:ext cx="1319861" cy="457200"/>
-          </a:xfrm>
-          <a:prstGeom prst="rect">
-            <a:avLst/>
-          </a:prstGeom>
-        </p:spPr>
-      </p:pic>
-      <p:pic>
-        <p:nvPicPr>
-          <p:cNvPr id="3074" name="Picture 2" descr="Content Creators like you use Stathead | Learn More">
-            <a:extLst>
-              <a:ext uri="{FF2B5EF4-FFF2-40B4-BE49-F238E27FC236}">
-                <a16:creationId xmlns:a16="http://schemas.microsoft.com/office/drawing/2014/main" id="{E1200091-CA10-7B43-9BC3-522A64B077C1}"/>
+          <p:cNvPr id="3" name="Picture 12" descr="Functions | Microsoft Azure Color">
+            <a:extLst>
+              <a:ext uri="{FF2B5EF4-FFF2-40B4-BE49-F238E27FC236}">
+                <a16:creationId xmlns:a16="http://schemas.microsoft.com/office/drawing/2014/main" id="{E4C96256-0760-0EEA-4B87-41A75E70D19C}"/>
               </a:ext>
             </a:extLst>
           </p:cNvPr>
@@ -4312,13 +4312,137 @@
               </a:ext>
             </a:extLst>
           </a:blip>
-          <a:srcRect t="10421" b="10614"/>
+          <a:srcRect t="4992" b="5238"/>
           <a:stretch/>
         </p:blipFill>
         <p:spPr bwMode="auto">
-          <a:xfrm rot="21286926">
-            <a:off x="1066798" y="3266150"/>
-            <a:ext cx="1828800" cy="222885"/>
+          <a:xfrm rot="21299423">
+            <a:off x="4712607" y="5086671"/>
+            <a:ext cx="763953" cy="685800"/>
+          </a:xfrm>
+          <a:prstGeom prst="rect">
+            <a:avLst/>
+          </a:prstGeom>
+          <a:noFill/>
+          <a:extLst>
+            <a:ext uri="{909E8E84-426E-40DD-AFC4-6F175D3DCCD1}">
+              <a14:hiddenFill xmlns:a14="http://schemas.microsoft.com/office/drawing/2010/main">
+                <a:solidFill>
+                  <a:srgbClr val="FFFFFF"/>
+                </a:solidFill>
+              </a14:hiddenFill>
+            </a:ext>
+          </a:extLst>
+        </p:spPr>
+      </p:pic>
+      <p:pic>
+        <p:nvPicPr>
+          <p:cNvPr id="12" name="Picture 11">
+            <a:extLst>
+              <a:ext uri="{FF2B5EF4-FFF2-40B4-BE49-F238E27FC236}">
+                <a16:creationId xmlns:a16="http://schemas.microsoft.com/office/drawing/2014/main" id="{06128F66-81AA-2C23-F959-6ABBFD23F274}"/>
+              </a:ext>
+            </a:extLst>
+          </p:cNvPr>
+          <p:cNvPicPr>
+            <a:picLocks noChangeAspect="1"/>
+          </p:cNvPicPr>
+          <p:nvPr/>
+        </p:nvPicPr>
+        <p:blipFill>
+          <a:blip r:embed="rId14"/>
+          <a:stretch>
+            <a:fillRect/>
+          </a:stretch>
+        </p:blipFill>
+        <p:spPr>
+          <a:xfrm rot="404714">
+            <a:off x="6721798" y="3366795"/>
+            <a:ext cx="685800" cy="685800"/>
+          </a:xfrm>
+          <a:prstGeom prst="rect">
+            <a:avLst/>
+          </a:prstGeom>
+        </p:spPr>
+      </p:pic>
+      <p:pic>
+        <p:nvPicPr>
+          <p:cNvPr id="13" name="Picture 2" descr="Pandas Icon Logo PNG Vector - Download Free Resource">
+            <a:extLst>
+              <a:ext uri="{FF2B5EF4-FFF2-40B4-BE49-F238E27FC236}">
+                <a16:creationId xmlns:a16="http://schemas.microsoft.com/office/drawing/2014/main" id="{CC9453C1-84CD-C163-A758-C815A54EE02F}"/>
+              </a:ext>
+            </a:extLst>
+          </p:cNvPr>
+          <p:cNvPicPr>
+            <a:picLocks noChangeAspect="1" noChangeArrowheads="1"/>
+          </p:cNvPicPr>
+          <p:nvPr/>
+        </p:nvPicPr>
+        <p:blipFill>
+          <a:blip r:embed="rId15">
+            <a:extLst>
+              <a:ext uri="{28A0092B-C50C-407E-A947-70E740481C1C}">
+                <a14:useLocalDpi xmlns:a14="http://schemas.microsoft.com/office/drawing/2010/main" val="0"/>
+              </a:ext>
+            </a:extLst>
+          </a:blip>
+          <a:srcRect/>
+          <a:stretch>
+            <a:fillRect/>
+          </a:stretch>
+        </p:blipFill>
+        <p:spPr bwMode="auto">
+          <a:xfrm rot="21280396">
+            <a:off x="7729523" y="3726850"/>
+            <a:ext cx="432054" cy="685800"/>
+          </a:xfrm>
+          <a:prstGeom prst="rect">
+            <a:avLst/>
+          </a:prstGeom>
+          <a:noFill/>
+          <a:extLst>
+            <a:ext uri="{909E8E84-426E-40DD-AFC4-6F175D3DCCD1}">
+              <a14:hiddenFill xmlns:a14="http://schemas.microsoft.com/office/drawing/2010/main">
+                <a:solidFill>
+                  <a:srgbClr val="FFFFFF"/>
+                </a:solidFill>
+              </a14:hiddenFill>
+            </a:ext>
+          </a:extLst>
+        </p:spPr>
+      </p:pic>
+      <p:pic>
+        <p:nvPicPr>
+          <p:cNvPr id="14" name="Picture 4">
+            <a:extLst>
+              <a:ext uri="{FF2B5EF4-FFF2-40B4-BE49-F238E27FC236}">
+                <a16:creationId xmlns:a16="http://schemas.microsoft.com/office/drawing/2014/main" id="{5B29D012-C766-71B1-4F9B-865FD00380BB}"/>
+              </a:ext>
+            </a:extLst>
+          </p:cNvPr>
+          <p:cNvPicPr>
+            <a:picLocks noChangeAspect="1" noChangeArrowheads="1"/>
+          </p:cNvPicPr>
+          <p:nvPr/>
+        </p:nvPicPr>
+        <p:blipFill>
+          <a:blip r:embed="rId16">
+            <a:extLst>
+              <a:ext uri="{28A0092B-C50C-407E-A947-70E740481C1C}">
+                <a14:useLocalDpi xmlns:a14="http://schemas.microsoft.com/office/drawing/2010/main" val="0"/>
+              </a:ext>
+            </a:extLst>
+          </a:blip>
+          <a:srcRect/>
+          <a:stretch>
+            <a:fillRect/>
+          </a:stretch>
+        </p:blipFill>
+        <p:spPr bwMode="auto">
+          <a:xfrm rot="21229667">
+            <a:off x="6831956" y="4630736"/>
+            <a:ext cx="1271288" cy="685800"/>
           </a:xfrm>
           <a:prstGeom prst="rect">
             <a:avLst/>
@@ -6017,7 +6141,7 @@
                 </a:solidFill>
                 <a:latin typeface="Press Start 2P" panose="00000500000000000000" pitchFamily="2" charset="0"/>
               </a:rPr>
-              <a:t>As indicated, the Obscurity Engine, frontend, and revisions are in progress. Work on the engine hasn’t yet started, but a skeleton frontend is done – pending connections to our data. Tasks toward an operational engine include developing a model, training, and tuning. We expect tuning to be the biggest undertaking. Meanwhile, we’ll continue to revise existing system components.</a:t>
+              <a:t>As indicated, the Obscurity Engine, UI, and continuous revisions remain to be completed. However, work on all systems is underway. Currently, all core gameplay mechanics are implemented, pending only refinements and a mature Obscurity Engine. It follows that the engine is a largely-untuned working draft, still needing data cleansing and parameter optimization for satisfactory accuracy. We will focus our resources on that, while continuing to revise elsewhere in the project.</a:t>
             </a:r>
           </a:p>
         </p:txBody>
@@ -6282,31 +6406,103 @@
           <a:lstStyle/>
           <a:p>
             <a:r>
-              <a:rPr lang="en-US" dirty="0">
+              <a:rPr lang="en-US" sz="1800" dirty="0">
                 <a:solidFill>
                   <a:schemeClr val="tx1"/>
                 </a:solidFill>
                 <a:latin typeface="Press Start 2P" panose="00000500000000000000" pitchFamily="2" charset="0"/>
+                <a:ea typeface="Inter" panose="02000503000000020004" pitchFamily="50" charset="0"/>
+                <a:cs typeface="Inter" panose="02000503000000020004" pitchFamily="50" charset="0"/>
               </a:rPr>
-              <a:t>Sourcing data was our biggest challenge. No free dataset or public API had the necessary breadth and depth, so we had to compile our own. Perhaps our most significant achievement was doing so ethically. We arrived at a data engineering process that complied with the </a:t>
-            </a:r>
-            <a:r>
-              <a:rPr lang="en-US" dirty="0" err="1">
+              <a:t>Sourcing data was our biggest challenge. </a:t>
+            </a:r>
+            <a:r>
+              <a:rPr lang="en-US" sz="1800" dirty="0">
                 <a:solidFill>
                   <a:schemeClr val="tx1"/>
                 </a:solidFill>
                 <a:latin typeface="Press Start 2P" panose="00000500000000000000" pitchFamily="2" charset="0"/>
+                <a:ea typeface="Inter Semi Bold" panose="02000703000000020004" pitchFamily="50" charset="0"/>
+                <a:cs typeface="Inter" panose="02000503000000020004" pitchFamily="50" charset="0"/>
               </a:rPr>
-              <a:t>ToS</a:t>
-            </a:r>
-            <a:r>
-              <a:rPr lang="en-US" dirty="0">
+              <a:t>No free dataset or public API</a:t>
+            </a:r>
+            <a:r>
+              <a:rPr lang="en-US" sz="1800" dirty="0">
                 <a:solidFill>
                   <a:schemeClr val="tx1"/>
                 </a:solidFill>
                 <a:latin typeface="Press Start 2P" panose="00000500000000000000" pitchFamily="2" charset="0"/>
+                <a:ea typeface="Inter" panose="02000503000000020004" pitchFamily="50" charset="0"/>
+                <a:cs typeface="Inter" panose="02000503000000020004" pitchFamily="50" charset="0"/>
               </a:rPr>
-              <a:t> from all our sources. Future challenges will likely come during the development of our Obscurity Engine, like reducing noise in the model for clear, consistent outputs.</a:t>
+              <a:t> had the necessary breadth and depth, so we had to compile our own. Our data engineering process was an undertaking and an accomplishment, not least in that it’s compliant with all </a:t>
+            </a:r>
+            <a:r>
+              <a:rPr lang="en-US" sz="1800" dirty="0" err="1">
+                <a:solidFill>
+                  <a:schemeClr val="tx1"/>
+                </a:solidFill>
+                <a:latin typeface="Press Start 2P" panose="00000500000000000000" pitchFamily="2" charset="0"/>
+                <a:ea typeface="Inter" panose="02000503000000020004" pitchFamily="50" charset="0"/>
+                <a:cs typeface="Inter" panose="02000503000000020004" pitchFamily="50" charset="0"/>
+              </a:rPr>
+              <a:t>ToS</a:t>
+            </a:r>
+            <a:r>
+              <a:rPr lang="en-US" sz="1800" dirty="0">
+                <a:solidFill>
+                  <a:schemeClr val="tx1"/>
+                </a:solidFill>
+                <a:latin typeface="Press Start 2P" panose="00000500000000000000" pitchFamily="2" charset="0"/>
+                <a:ea typeface="Inter" panose="02000503000000020004" pitchFamily="50" charset="0"/>
+                <a:cs typeface="Inter" panose="02000503000000020004" pitchFamily="50" charset="0"/>
+              </a:rPr>
+              <a:t>. Developing the Obscurity Engine was rather difficult, too. In early versions, many athletes clustered around a </a:t>
+            </a:r>
+            <a:r>
+              <a:rPr lang="en-US" sz="1800" dirty="0">
+                <a:solidFill>
+                  <a:schemeClr val="tx1"/>
+                </a:solidFill>
+                <a:latin typeface="Press Start 2P" panose="00000500000000000000" pitchFamily="2" charset="0"/>
+                <a:ea typeface="Inter Semi Bold" panose="02000703000000020004" pitchFamily="50" charset="0"/>
+                <a:cs typeface="Inter" panose="02000503000000020004" pitchFamily="50" charset="0"/>
+              </a:rPr>
+              <a:t>narrow range of obscurity scores</a:t>
+            </a:r>
+            <a:r>
+              <a:rPr lang="en-US" sz="1800" dirty="0">
+                <a:solidFill>
+                  <a:schemeClr val="tx1"/>
+                </a:solidFill>
+                <a:latin typeface="Press Start 2P" panose="00000500000000000000" pitchFamily="2" charset="0"/>
+                <a:ea typeface="Inter" panose="02000503000000020004" pitchFamily="50" charset="0"/>
+                <a:cs typeface="Inter" panose="02000503000000020004" pitchFamily="50" charset="0"/>
+              </a:rPr>
+              <a:t>. We curbed the behavior, in part, by supplying only those parameters that a human might care about – resulting in </a:t>
+            </a:r>
+            <a:r>
+              <a:rPr lang="en-US" sz="1800">
+                <a:solidFill>
+                  <a:schemeClr val="tx1"/>
+                </a:solidFill>
+                <a:latin typeface="Press Start 2P" panose="00000500000000000000" pitchFamily="2" charset="0"/>
+                <a:ea typeface="Inter" panose="02000503000000020004" pitchFamily="50" charset="0"/>
+                <a:cs typeface="Inter" panose="02000503000000020004" pitchFamily="50" charset="0"/>
+              </a:rPr>
+              <a:t>a more human-like </a:t>
+            </a:r>
+            <a:r>
+              <a:rPr lang="en-US" sz="1800" dirty="0">
+                <a:solidFill>
+                  <a:schemeClr val="tx1"/>
+                </a:solidFill>
+                <a:latin typeface="Press Start 2P" panose="00000500000000000000" pitchFamily="2" charset="0"/>
+                <a:ea typeface="Inter" panose="02000503000000020004" pitchFamily="50" charset="0"/>
+                <a:cs typeface="Inter" panose="02000503000000020004" pitchFamily="50" charset="0"/>
+              </a:rPr>
+              <a:t>readout.</a:t>
             </a:r>
           </a:p>
         </p:txBody>

--- a/presentations/spring-design-presentation.pptx
+++ b/presentations/spring-design-presentation.pptx
@@ -286,7 +286,7 @@
           <a:p>
             <a:fld id="{D2CD39A5-1B76-464F-9B2C-D445098D7B41}" type="datetimeFigureOut">
               <a:rPr lang="en-US" smtClean="0"/>
-              <a:t>3/7/2025</a:t>
+              <a:t>3/14/2025</a:t>
             </a:fld>
             <a:endParaRPr lang="en-US"/>
           </a:p>
@@ -484,7 +484,7 @@
           <a:p>
             <a:fld id="{D2CD39A5-1B76-464F-9B2C-D445098D7B41}" type="datetimeFigureOut">
               <a:rPr lang="en-US" smtClean="0"/>
-              <a:t>3/7/2025</a:t>
+              <a:t>3/14/2025</a:t>
             </a:fld>
             <a:endParaRPr lang="en-US"/>
           </a:p>
@@ -692,7 +692,7 @@
           <a:p>
             <a:fld id="{D2CD39A5-1B76-464F-9B2C-D445098D7B41}" type="datetimeFigureOut">
               <a:rPr lang="en-US" smtClean="0"/>
-              <a:t>3/7/2025</a:t>
+              <a:t>3/14/2025</a:t>
             </a:fld>
             <a:endParaRPr lang="en-US"/>
           </a:p>
@@ -890,7 +890,7 @@
           <a:p>
             <a:fld id="{D2CD39A5-1B76-464F-9B2C-D445098D7B41}" type="datetimeFigureOut">
               <a:rPr lang="en-US" smtClean="0"/>
-              <a:t>3/7/2025</a:t>
+              <a:t>3/14/2025</a:t>
             </a:fld>
             <a:endParaRPr lang="en-US"/>
           </a:p>
@@ -1165,7 +1165,7 @@
           <a:p>
             <a:fld id="{D2CD39A5-1B76-464F-9B2C-D445098D7B41}" type="datetimeFigureOut">
               <a:rPr lang="en-US" smtClean="0"/>
-              <a:t>3/7/2025</a:t>
+              <a:t>3/14/2025</a:t>
             </a:fld>
             <a:endParaRPr lang="en-US"/>
           </a:p>
@@ -1430,7 +1430,7 @@
           <a:p>
             <a:fld id="{D2CD39A5-1B76-464F-9B2C-D445098D7B41}" type="datetimeFigureOut">
               <a:rPr lang="en-US" smtClean="0"/>
-              <a:t>3/7/2025</a:t>
+              <a:t>3/14/2025</a:t>
             </a:fld>
             <a:endParaRPr lang="en-US"/>
           </a:p>
@@ -1842,7 +1842,7 @@
           <a:p>
             <a:fld id="{D2CD39A5-1B76-464F-9B2C-D445098D7B41}" type="datetimeFigureOut">
               <a:rPr lang="en-US" smtClean="0"/>
-              <a:t>3/7/2025</a:t>
+              <a:t>3/14/2025</a:t>
             </a:fld>
             <a:endParaRPr lang="en-US"/>
           </a:p>
@@ -1983,7 +1983,7 @@
           <a:p>
             <a:fld id="{D2CD39A5-1B76-464F-9B2C-D445098D7B41}" type="datetimeFigureOut">
               <a:rPr lang="en-US" smtClean="0"/>
-              <a:t>3/7/2025</a:t>
+              <a:t>3/14/2025</a:t>
             </a:fld>
             <a:endParaRPr lang="en-US"/>
           </a:p>
@@ -2096,7 +2096,7 @@
           <a:p>
             <a:fld id="{D2CD39A5-1B76-464F-9B2C-D445098D7B41}" type="datetimeFigureOut">
               <a:rPr lang="en-US" smtClean="0"/>
-              <a:t>3/7/2025</a:t>
+              <a:t>3/14/2025</a:t>
             </a:fld>
             <a:endParaRPr lang="en-US"/>
           </a:p>
@@ -2407,7 +2407,7 @@
           <a:p>
             <a:fld id="{D2CD39A5-1B76-464F-9B2C-D445098D7B41}" type="datetimeFigureOut">
               <a:rPr lang="en-US" smtClean="0"/>
-              <a:t>3/7/2025</a:t>
+              <a:t>3/14/2025</a:t>
             </a:fld>
             <a:endParaRPr lang="en-US"/>
           </a:p>
@@ -2695,7 +2695,7 @@
           <a:p>
             <a:fld id="{D2CD39A5-1B76-464F-9B2C-D445098D7B41}" type="datetimeFigureOut">
               <a:rPr lang="en-US" smtClean="0"/>
-              <a:t>3/7/2025</a:t>
+              <a:t>3/14/2025</a:t>
             </a:fld>
             <a:endParaRPr lang="en-US"/>
           </a:p>
@@ -2936,7 +2936,7 @@
           <a:p>
             <a:fld id="{D2CD39A5-1B76-464F-9B2C-D445098D7B41}" type="datetimeFigureOut">
               <a:rPr lang="en-US" smtClean="0"/>
-              <a:t>3/7/2025</a:t>
+              <a:t>3/14/2025</a:t>
             </a:fld>
             <a:endParaRPr lang="en-US"/>
           </a:p>
